--- a/Lecture/Programming 1/Programming_1_Lecture.pptx
+++ b/Lecture/Programming 1/Programming_1_Lecture.pptx
@@ -298,7 +298,7 @@
               <a:pPr>
                 <a:defRPr/>
               </a:pPr>
-              <a:t>2/19/2019</a:t>
+              <a:t>10/9/2019</a:t>
             </a:fld>
             <a:endParaRPr lang="en-US" dirty="0"/>
           </a:p>
@@ -510,7 +510,7 @@
               <a:pPr>
                 <a:defRPr/>
               </a:pPr>
-              <a:t>2/19/2019</a:t>
+              <a:t>10/9/2019</a:t>
             </a:fld>
             <a:endParaRPr lang="en-US" dirty="0"/>
           </a:p>
@@ -1029,7 +1029,7 @@
               <a:pPr>
                 <a:defRPr/>
               </a:pPr>
-              <a:t>2/19/2019</a:t>
+              <a:t>10/9/2019</a:t>
             </a:fld>
             <a:endParaRPr lang="en-US" dirty="0"/>
           </a:p>
@@ -1219,7 +1219,7 @@
               <a:pPr>
                 <a:defRPr/>
               </a:pPr>
-              <a:t>2/19/2019</a:t>
+              <a:t>10/9/2019</a:t>
             </a:fld>
             <a:endParaRPr lang="en-US" dirty="0"/>
           </a:p>
@@ -1419,7 +1419,7 @@
               <a:pPr>
                 <a:defRPr/>
               </a:pPr>
-              <a:t>2/19/2019</a:t>
+              <a:t>10/9/2019</a:t>
             </a:fld>
             <a:endParaRPr lang="en-US" dirty="0"/>
           </a:p>
@@ -1687,7 +1687,7 @@
               <a:pPr>
                 <a:defRPr/>
               </a:pPr>
-              <a:t>2/19/2019</a:t>
+              <a:t>10/9/2019</a:t>
             </a:fld>
             <a:endParaRPr lang="en-US" dirty="0">
               <a:solidFill>
@@ -1901,7 +1901,7 @@
               <a:pPr>
                 <a:defRPr/>
               </a:pPr>
-              <a:t>2/19/2019</a:t>
+              <a:t>10/9/2019</a:t>
             </a:fld>
             <a:endParaRPr lang="en-US" dirty="0">
               <a:solidFill>
@@ -2192,7 +2192,7 @@
               <a:pPr>
                 <a:defRPr/>
               </a:pPr>
-              <a:t>2/19/2019</a:t>
+              <a:t>10/9/2019</a:t>
             </a:fld>
             <a:endParaRPr lang="en-US" dirty="0">
               <a:solidFill>
@@ -2523,7 +2523,7 @@
               <a:pPr>
                 <a:defRPr/>
               </a:pPr>
-              <a:t>2/19/2019</a:t>
+              <a:t>10/9/2019</a:t>
             </a:fld>
             <a:endParaRPr lang="en-US" dirty="0">
               <a:solidFill>
@@ -2988,7 +2988,7 @@
               <a:pPr>
                 <a:defRPr/>
               </a:pPr>
-              <a:t>2/19/2019</a:t>
+              <a:t>10/9/2019</a:t>
             </a:fld>
             <a:endParaRPr lang="en-US" dirty="0">
               <a:solidFill>
@@ -3151,7 +3151,7 @@
               <a:pPr>
                 <a:defRPr/>
               </a:pPr>
-              <a:t>2/19/2019</a:t>
+              <a:t>10/9/2019</a:t>
             </a:fld>
             <a:endParaRPr lang="en-US" dirty="0">
               <a:solidFill>
@@ -3292,7 +3292,7 @@
               <a:pPr>
                 <a:defRPr/>
               </a:pPr>
-              <a:t>2/19/2019</a:t>
+              <a:t>10/9/2019</a:t>
             </a:fld>
             <a:endParaRPr lang="en-US" dirty="0">
               <a:solidFill>
@@ -3613,7 +3613,7 @@
               <a:pPr>
                 <a:defRPr/>
               </a:pPr>
-              <a:t>2/19/2019</a:t>
+              <a:t>10/9/2019</a:t>
             </a:fld>
             <a:endParaRPr lang="en-US" dirty="0">
               <a:solidFill>
@@ -3821,7 +3821,7 @@
               <a:pPr>
                 <a:defRPr/>
               </a:pPr>
-              <a:t>2/19/2019</a:t>
+              <a:t>10/9/2019</a:t>
             </a:fld>
             <a:endParaRPr lang="en-US" dirty="0"/>
           </a:p>
@@ -4104,7 +4104,7 @@
               <a:pPr>
                 <a:defRPr/>
               </a:pPr>
-              <a:t>2/19/2019</a:t>
+              <a:t>10/9/2019</a:t>
             </a:fld>
             <a:endParaRPr lang="en-US" dirty="0">
               <a:solidFill>
@@ -4318,7 +4318,7 @@
               <a:pPr>
                 <a:defRPr/>
               </a:pPr>
-              <a:t>2/19/2019</a:t>
+              <a:t>10/9/2019</a:t>
             </a:fld>
             <a:endParaRPr lang="en-US" dirty="0">
               <a:solidFill>
@@ -4542,7 +4542,7 @@
               <a:pPr>
                 <a:defRPr/>
               </a:pPr>
-              <a:t>2/19/2019</a:t>
+              <a:t>10/9/2019</a:t>
             </a:fld>
             <a:endParaRPr lang="en-US" dirty="0">
               <a:solidFill>
@@ -4752,7 +4752,7 @@
               <a:pPr>
                 <a:defRPr/>
               </a:pPr>
-              <a:t>2/19/2019</a:t>
+              <a:t>10/9/2019</a:t>
             </a:fld>
             <a:endParaRPr lang="en-US" dirty="0">
               <a:solidFill>
@@ -5029,7 +5029,7 @@
               <a:pPr>
                 <a:defRPr/>
               </a:pPr>
-              <a:t>2/19/2019</a:t>
+              <a:t>10/9/2019</a:t>
             </a:fld>
             <a:endParaRPr lang="en-US" dirty="0"/>
           </a:p>
@@ -5336,7 +5336,7 @@
               <a:pPr>
                 <a:defRPr/>
               </a:pPr>
-              <a:t>2/19/2019</a:t>
+              <a:t>10/9/2019</a:t>
             </a:fld>
             <a:endParaRPr lang="en-US" dirty="0"/>
           </a:p>
@@ -5777,7 +5777,7 @@
               <a:pPr>
                 <a:defRPr/>
               </a:pPr>
-              <a:t>2/19/2019</a:t>
+              <a:t>10/9/2019</a:t>
             </a:fld>
             <a:endParaRPr lang="en-US" dirty="0"/>
           </a:p>
@@ -5916,7 +5916,7 @@
               <a:pPr>
                 <a:defRPr/>
               </a:pPr>
-              <a:t>2/19/2019</a:t>
+              <a:t>10/9/2019</a:t>
             </a:fld>
             <a:endParaRPr lang="en-US" dirty="0"/>
           </a:p>
@@ -6033,7 +6033,7 @@
               <a:pPr>
                 <a:defRPr/>
               </a:pPr>
-              <a:t>2/19/2019</a:t>
+              <a:t>10/9/2019</a:t>
             </a:fld>
             <a:endParaRPr lang="en-US" dirty="0"/>
           </a:p>
@@ -6330,7 +6330,7 @@
               <a:pPr>
                 <a:defRPr/>
               </a:pPr>
-              <a:t>2/19/2019</a:t>
+              <a:t>10/9/2019</a:t>
             </a:fld>
             <a:endParaRPr lang="en-US" dirty="0"/>
           </a:p>
@@ -6607,7 +6607,7 @@
               <a:pPr>
                 <a:defRPr/>
               </a:pPr>
-              <a:t>2/19/2019</a:t>
+              <a:t>10/9/2019</a:t>
             </a:fld>
             <a:endParaRPr lang="en-US" dirty="0"/>
           </a:p>
@@ -6864,7 +6864,7 @@
               <a:pPr>
                 <a:defRPr/>
               </a:pPr>
-              <a:t>2/19/2019</a:t>
+              <a:t>10/9/2019</a:t>
             </a:fld>
             <a:endParaRPr lang="en-US" dirty="0"/>
           </a:p>
@@ -7574,7 +7574,7 @@
               <a:pPr>
                 <a:defRPr/>
               </a:pPr>
-              <a:t>2/19/2019</a:t>
+              <a:t>10/9/2019</a:t>
             </a:fld>
             <a:endParaRPr lang="en-US" dirty="0">
               <a:solidFill>
@@ -10353,13 +10353,18 @@
               <a:defRPr/>
             </a:pPr>
             <a:r>
-              <a:rPr lang="en-US" dirty="0">
+              <a:rPr lang="en-US">
                 <a:solidFill>
                   <a:srgbClr val="404040"/>
                 </a:solidFill>
               </a:rPr>
-              <a:t>Open Tutorial 9</a:t>
-            </a:r>
+              <a:t>Open Tutorial</a:t>
+            </a:r>
+            <a:endParaRPr lang="en-US" dirty="0">
+              <a:solidFill>
+                <a:srgbClr val="404040"/>
+              </a:solidFill>
+            </a:endParaRPr>
           </a:p>
           <a:p>
             <a:pPr marL="342900" marR="0" lvl="0" indent="-342900" algn="l" defTabSz="457200" rtl="0" eaLnBrk="1" fontAlgn="base" latinLnBrk="0" hangingPunct="1">
